--- a/Partnership_Slider.pptx
+++ b/Partnership_Slider.pptx
@@ -214,7 +214,7 @@
           </a:lstStyle>
           <a:p>
             <a:fld id="{B9CEE5E0-CFF3-BA4E-8062-8F0B1D4B48DC}" type="datetimeFigureOut">
-              <a:t>25/03/2022</a:t>
+              <a:t>26/03/2022</a:t>
             </a:fld>
             <a:endParaRPr lang="en-LT"/>
           </a:p>
@@ -1047,7 +1047,7 @@
           <a:lstStyle/>
           <a:p>
             <a:fld id="{28CABC42-B106-E749-A4FF-82EB16478A94}" type="datetimeFigureOut">
-              <a:t>25/03/2022</a:t>
+              <a:t>26/03/2022</a:t>
             </a:fld>
             <a:endParaRPr lang="en-LT"/>
           </a:p>
@@ -1245,7 +1245,7 @@
           <a:lstStyle/>
           <a:p>
             <a:fld id="{28CABC42-B106-E749-A4FF-82EB16478A94}" type="datetimeFigureOut">
-              <a:t>25/03/2022</a:t>
+              <a:t>26/03/2022</a:t>
             </a:fld>
             <a:endParaRPr lang="en-LT"/>
           </a:p>
@@ -1519,7 +1519,7 @@
           <a:lstStyle/>
           <a:p>
             <a:fld id="{28CABC42-B106-E749-A4FF-82EB16478A94}" type="datetimeFigureOut">
-              <a:t>25/03/2022</a:t>
+              <a:t>26/03/2022</a:t>
             </a:fld>
             <a:endParaRPr lang="en-LT"/>
           </a:p>
@@ -1785,7 +1785,7 @@
           <a:lstStyle/>
           <a:p>
             <a:fld id="{28CABC42-B106-E749-A4FF-82EB16478A94}" type="datetimeFigureOut">
-              <a:t>25/03/2022</a:t>
+              <a:t>26/03/2022</a:t>
             </a:fld>
             <a:endParaRPr lang="en-LT"/>
           </a:p>
@@ -2198,7 +2198,7 @@
           <a:lstStyle/>
           <a:p>
             <a:fld id="{28CABC42-B106-E749-A4FF-82EB16478A94}" type="datetimeFigureOut">
-              <a:t>25/03/2022</a:t>
+              <a:t>26/03/2022</a:t>
             </a:fld>
             <a:endParaRPr lang="en-LT"/>
           </a:p>
@@ -2338,7 +2338,7 @@
           <a:lstStyle/>
           <a:p>
             <a:fld id="{28CABC42-B106-E749-A4FF-82EB16478A94}" type="datetimeFigureOut">
-              <a:t>25/03/2022</a:t>
+              <a:t>26/03/2022</a:t>
             </a:fld>
             <a:endParaRPr lang="en-LT"/>
           </a:p>
@@ -2449,7 +2449,7 @@
           <a:lstStyle/>
           <a:p>
             <a:fld id="{28CABC42-B106-E749-A4FF-82EB16478A94}" type="datetimeFigureOut">
-              <a:t>25/03/2022</a:t>
+              <a:t>26/03/2022</a:t>
             </a:fld>
             <a:endParaRPr lang="en-LT"/>
           </a:p>
@@ -2690,7 +2690,7 @@
           </a:lstStyle>
           <a:p>
             <a:fld id="{28CABC42-B106-E749-A4FF-82EB16478A94}" type="datetimeFigureOut">
-              <a:t>25/03/2022</a:t>
+              <a:t>26/03/2022</a:t>
             </a:fld>
             <a:endParaRPr lang="en-LT"/>
           </a:p>
@@ -6664,7 +6664,7 @@
                 <a:latin typeface="Times New Roman" panose="02020603050405020304" pitchFamily="18" charset="0"/>
                 <a:cs typeface="Times New Roman" panose="02020603050405020304" pitchFamily="18" charset="0"/>
               </a:rPr>
-              <a:t>Aviso através da vibração</a:t>
+              <a:t>Aviso através da vibração ou voz</a:t>
             </a:r>
           </a:p>
         </p:txBody>
